--- a/Training Material/AWS/8-AWS ECS and ECR.pptx
+++ b/Training Material/AWS/8-AWS ECS and ECR.pptx
@@ -2403,7 +2403,7 @@
           <a:p>
             <a:fld id="{F24C8696-F352-4483-B024-265AAB727281}" type="datetime3">
               <a:rPr lang="en-US" smtClean="0"/>
-              <a:t>11 September 2020</a:t>
+              <a:t>12 September 2020</a:t>
             </a:fld>
             <a:endParaRPr/>
           </a:p>
@@ -3574,7 +3574,7 @@
           <a:p>
             <a:fld id="{728B73CA-7B25-45F2-8FDD-B6ED7CFAC09C}" type="datetime3">
               <a:rPr lang="en-US" smtClean="0"/>
-              <a:t>11 September 2020</a:t>
+              <a:t>12 September 2020</a:t>
             </a:fld>
             <a:endParaRPr/>
           </a:p>
@@ -5119,7 +5119,7 @@
           <a:p>
             <a:fld id="{0775BA6D-DEC1-483E-A5BC-A316BCCA2D3F}" type="datetime3">
               <a:rPr lang="en-US" smtClean="0"/>
-              <a:t>11 September 2020</a:t>
+              <a:t>12 September 2020</a:t>
             </a:fld>
             <a:endParaRPr/>
           </a:p>
@@ -6291,7 +6291,7 @@
           <a:p>
             <a:fld id="{8A1485F3-FB6F-4A96-AC64-96A54679E47D}" type="datetime3">
               <a:rPr lang="en-US" smtClean="0"/>
-              <a:t>11 September 2020</a:t>
+              <a:t>12 September 2020</a:t>
             </a:fld>
             <a:endParaRPr/>
           </a:p>
@@ -7544,7 +7544,7 @@
           <a:p>
             <a:fld id="{125F89A0-C27F-4F99-A2E3-4E2C4607CBF6}" type="datetime3">
               <a:rPr lang="en-US" smtClean="0"/>
-              <a:t>11 September 2020</a:t>
+              <a:t>12 September 2020</a:t>
             </a:fld>
             <a:endParaRPr/>
           </a:p>
@@ -8528,7 +8528,7 @@
           <a:p>
             <a:fld id="{21897524-A71B-4436-A1A0-3C8D53D3B95A}" type="datetime3">
               <a:rPr lang="en-US" smtClean="0"/>
-              <a:t>11 September 2020</a:t>
+              <a:t>12 September 2020</a:t>
             </a:fld>
             <a:endParaRPr/>
           </a:p>
@@ -9512,7 +9512,7 @@
           <a:p>
             <a:fld id="{0E1BBF16-5AB2-40F4-B0AD-BDA2AB216BAB}" type="datetime3">
               <a:rPr lang="en-US" smtClean="0"/>
-              <a:t>11 September 2020</a:t>
+              <a:t>12 September 2020</a:t>
             </a:fld>
             <a:endParaRPr/>
           </a:p>
@@ -10496,7 +10496,7 @@
           <a:p>
             <a:fld id="{B675D049-EB29-470C-A573-981FCB3BB8FC}" type="datetime3">
               <a:rPr lang="en-US" smtClean="0"/>
-              <a:t>11 September 2020</a:t>
+              <a:t>12 September 2020</a:t>
             </a:fld>
             <a:endParaRPr/>
           </a:p>
@@ -11787,7 +11787,7 @@
           <a:p>
             <a:fld id="{4634AEC4-75D2-4299-A8FC-4783B30A98B0}" type="datetime3">
               <a:rPr lang="en-US" smtClean="0"/>
-              <a:t>11 September 2020</a:t>
+              <a:t>12 September 2020</a:t>
             </a:fld>
             <a:endParaRPr/>
           </a:p>
@@ -13268,7 +13268,7 @@
           <a:p>
             <a:fld id="{B675D049-EB29-470C-A573-981FCB3BB8FC}" type="datetime3">
               <a:rPr lang="en-US" smtClean="0"/>
-              <a:t>11 September 2020</a:t>
+              <a:t>12 September 2020</a:t>
             </a:fld>
             <a:endParaRPr lang="en-US"/>
           </a:p>
@@ -13449,7 +13449,7 @@
           <a:p>
             <a:fld id="{B675D049-EB29-470C-A573-981FCB3BB8FC}" type="datetime3">
               <a:rPr lang="en-US" smtClean="0"/>
-              <a:t>11 September 2020</a:t>
+              <a:t>12 September 2020</a:t>
             </a:fld>
             <a:endParaRPr lang="en-US"/>
           </a:p>
@@ -13746,7 +13746,7 @@
           <a:p>
             <a:fld id="{B675D049-EB29-470C-A573-981FCB3BB8FC}" type="datetime3">
               <a:rPr lang="en-US" smtClean="0"/>
-              <a:t>11 September 2020</a:t>
+              <a:t>12 September 2020</a:t>
             </a:fld>
             <a:endParaRPr lang="en-US"/>
           </a:p>
@@ -13902,7 +13902,7 @@
           <a:p>
             <a:fld id="{B675D049-EB29-470C-A573-981FCB3BB8FC}" type="datetime3">
               <a:rPr lang="en-US" smtClean="0"/>
-              <a:t>11 September 2020</a:t>
+              <a:t>12 September 2020</a:t>
             </a:fld>
             <a:endParaRPr lang="en-US"/>
           </a:p>
@@ -14082,7 +14082,7 @@
           <a:p>
             <a:fld id="{B675D049-EB29-470C-A573-981FCB3BB8FC}" type="datetime3">
               <a:rPr lang="en-US" smtClean="0"/>
-              <a:t>11 September 2020</a:t>
+              <a:t>12 September 2020</a:t>
             </a:fld>
             <a:endParaRPr lang="en-US"/>
           </a:p>
@@ -14151,16 +14151,15 @@
           </p:cNvPicPr>
           <p:nvPr/>
         </p:nvPicPr>
-        <p:blipFill>
+        <p:blipFill rotWithShape="1">
           <a:blip r:embed="rId2"/>
-          <a:stretch>
-            <a:fillRect/>
-          </a:stretch>
+          <a:srcRect b="69096"/>
+          <a:stretch/>
         </p:blipFill>
         <p:spPr>
           <a:xfrm>
             <a:off x="255066" y="974034"/>
-            <a:ext cx="11681868" cy="4909932"/>
+            <a:ext cx="11681868" cy="1517375"/>
           </a:xfrm>
           <a:prstGeom prst="rect">
             <a:avLst/>
@@ -14341,7 +14340,7 @@
           <a:p>
             <a:fld id="{B675D049-EB29-470C-A573-981FCB3BB8FC}" type="datetime3">
               <a:rPr lang="en-US" smtClean="0"/>
-              <a:t>11 September 2020</a:t>
+              <a:t>12 September 2020</a:t>
             </a:fld>
             <a:endParaRPr lang="en-US"/>
           </a:p>
